--- a/Interim Report/PrototypeGuide/10524150_DBSFinalProject_PrototypeUserGuide cf v1-1 130820.pptx
+++ b/Interim Report/PrototypeGuide/10524150_DBSFinalProject_PrototypeUserGuide cf v1-1 130820.pptx
@@ -238,7 +238,7 @@
           <a:p>
             <a:fld id="{072BD34C-6B47-49EF-BFFA-93F1411C7C71}" type="datetime1">
               <a:rPr lang="en-GB" smtClean="0"/>
-              <a:t>13/08/2020</a:t>
+              <a:t>14/08/2020</a:t>
             </a:fld>
             <a:endParaRPr lang="en-GB" dirty="0"/>
           </a:p>
@@ -416,7 +416,7 @@
           <a:p>
             <a:fld id="{897DEE11-17EA-4842-A9E6-9439F71DE2B2}" type="datetime1">
               <a:rPr lang="en-GB" noProof="0" smtClean="0"/>
-              <a:t>13/08/2020</a:t>
+              <a:t>14/08/2020</a:t>
             </a:fld>
             <a:endParaRPr lang="en-GB" noProof="0" dirty="0"/>
           </a:p>
@@ -1923,7 +1923,7 @@
             <a:pPr rtl="0"/>
             <a:fld id="{F5E2CC9C-DF8A-4444-80B2-7CDDD7D07081}" type="datetime1">
               <a:rPr lang="en-GB" noProof="0" smtClean="0"/>
-              <a:t>13/08/2020</a:t>
+              <a:t>14/08/2020</a:t>
             </a:fld>
             <a:endParaRPr lang="en-GB" noProof="0" dirty="0"/>
           </a:p>
@@ -2377,7 +2377,7 @@
             <a:pPr rtl="0"/>
             <a:fld id="{2B9D8EAD-2706-4FAD-A091-1D06263112A9}" type="datetime1">
               <a:rPr lang="en-GB" noProof="0" smtClean="0"/>
-              <a:t>13/08/2020</a:t>
+              <a:t>14/08/2020</a:t>
             </a:fld>
             <a:endParaRPr lang="en-GB" noProof="0" dirty="0"/>
           </a:p>
@@ -2561,7 +2561,7 @@
             <a:pPr rtl="0"/>
             <a:fld id="{3F98FA3C-4073-4ED2-8C34-C4CB27A9BD13}" type="datetime1">
               <a:rPr lang="en-GB" noProof="0" smtClean="0"/>
-              <a:t>13/08/2020</a:t>
+              <a:t>14/08/2020</a:t>
             </a:fld>
             <a:endParaRPr lang="en-GB" noProof="0" dirty="0"/>
           </a:p>
@@ -2873,7 +2873,7 @@
             <a:pPr rtl="0"/>
             <a:fld id="{052B3A79-12C6-4EFA-B1BE-2BE9D9DE6CD6}" type="datetime1">
               <a:rPr lang="en-GB" noProof="0" smtClean="0"/>
-              <a:t>13/08/2020</a:t>
+              <a:t>14/08/2020</a:t>
             </a:fld>
             <a:endParaRPr lang="en-GB" noProof="0" dirty="0"/>
           </a:p>
@@ -3113,7 +3113,7 @@
             <a:pPr rtl="0"/>
             <a:fld id="{6C857DCD-10A8-4516-8072-F1B7478C492B}" type="datetime1">
               <a:rPr lang="en-GB" noProof="0" smtClean="0"/>
-              <a:t>13/08/2020</a:t>
+              <a:t>14/08/2020</a:t>
             </a:fld>
             <a:endParaRPr lang="en-GB" noProof="0" dirty="0"/>
           </a:p>
@@ -3537,7 +3537,7 @@
             <a:pPr rtl="0"/>
             <a:fld id="{600AA6A9-7A64-4409-9008-7DBF91CBD923}" type="datetime1">
               <a:rPr lang="en-GB" noProof="0" smtClean="0"/>
-              <a:t>13/08/2020</a:t>
+              <a:t>14/08/2020</a:t>
             </a:fld>
             <a:endParaRPr lang="en-GB" noProof="0" dirty="0"/>
           </a:p>
@@ -3701,7 +3701,7 @@
             <a:pPr rtl="0"/>
             <a:fld id="{BEAEC864-4391-4A30-8AE1-7AAAC45E531A}" type="datetime1">
               <a:rPr lang="en-GB" noProof="0" smtClean="0"/>
-              <a:t>13/08/2020</a:t>
+              <a:t>14/08/2020</a:t>
             </a:fld>
             <a:endParaRPr lang="en-GB" noProof="0" dirty="0"/>
           </a:p>
@@ -3865,7 +3865,7 @@
             <a:pPr rtl="0"/>
             <a:fld id="{6B3CDAB8-1659-4B3D-B162-997A6B710019}" type="datetime1">
               <a:rPr lang="en-GB" noProof="0" smtClean="0"/>
-              <a:t>13/08/2020</a:t>
+              <a:t>14/08/2020</a:t>
             </a:fld>
             <a:endParaRPr lang="en-GB" noProof="0" dirty="0"/>
           </a:p>
@@ -4083,7 +4083,7 @@
             <a:pPr rtl="0"/>
             <a:fld id="{C23AF8DF-9D48-46DF-B804-65195FBF9992}" type="datetime1">
               <a:rPr lang="en-GB" noProof="0" smtClean="0"/>
-              <a:t>13/08/2020</a:t>
+              <a:t>14/08/2020</a:t>
             </a:fld>
             <a:endParaRPr lang="en-GB" noProof="0" dirty="0"/>
           </a:p>
@@ -4368,7 +4368,7 @@
             <a:pPr rtl="0"/>
             <a:fld id="{76B03905-D103-40A4-9AF5-DA0FA6A1985D}" type="datetime1">
               <a:rPr lang="en-GB" noProof="0" smtClean="0"/>
-              <a:t>13/08/2020</a:t>
+              <a:t>14/08/2020</a:t>
             </a:fld>
             <a:endParaRPr lang="en-GB" noProof="0" dirty="0"/>
           </a:p>
@@ -5150,7 +5150,7 @@
             <a:pPr rtl="0"/>
             <a:fld id="{20D47727-8AEF-4759-AF78-AB7780DC372D}" type="datetime1">
               <a:rPr lang="en-GB" noProof="0" smtClean="0"/>
-              <a:t>13/08/2020</a:t>
+              <a:t>14/08/2020</a:t>
             </a:fld>
             <a:endParaRPr lang="en-GB" noProof="0" dirty="0"/>
           </a:p>
@@ -14519,12 +14519,12 @@
         <p:spPr>
           <a:xfrm>
             <a:off x="1290909" y="1645521"/>
-            <a:ext cx="4410644" cy="4549091"/>
+            <a:ext cx="4410644" cy="4534721"/>
           </a:xfrm>
         </p:spPr>
         <p:txBody>
           <a:bodyPr rtlCol="0">
-            <a:normAutofit lnSpcReduction="10000"/>
+            <a:noAutofit/>
           </a:bodyPr>
           <a:lstStyle/>
           <a:p>
@@ -14552,14 +14552,7 @@
               <a:buFont typeface="Arial" panose="020B0604020202020204" pitchFamily="34" charset="0"/>
               <a:buChar char="•"/>
             </a:pPr>
-            <a:endParaRPr lang="en-GB" dirty="0"/>
-          </a:p>
-          <a:p>
-            <a:pPr marL="285750" indent="-285750">
-              <a:buFont typeface="Arial" panose="020B0604020202020204" pitchFamily="34" charset="0"/>
-              <a:buChar char="•"/>
-            </a:pPr>
-            <a:endParaRPr lang="en-GB" dirty="0"/>
+            <a:endParaRPr lang="en-GB" sz="1100" dirty="0"/>
           </a:p>
           <a:p>
             <a:pPr marL="285750" indent="-285750">
@@ -14567,12 +14560,12 @@
               <a:buChar char="•"/>
             </a:pPr>
             <a:r>
-              <a:rPr lang="en-GB" sz="1800" b="1" u="sng" dirty="0"/>
+              <a:rPr lang="en-GB" b="1" u="sng" dirty="0"/>
               <a:t>To emphasise </a:t>
             </a:r>
             <a:r>
               <a:rPr lang="en-GB" dirty="0"/>
-              <a:t>this is a prototype to prove the viability of a ‘production’ framework for the predictive credit card fraud model – the final machine learning process and user interface will be more sophisticated.</a:t>
+              <a:t>this is a prototype to prove the viability of a ‘production’ framework for the predictive credit card fraud application – the final implementation of machine learning processes, and the user interface, will be more sophisticated.</a:t>
             </a:r>
           </a:p>
           <a:p>
@@ -16658,21 +16651,21 @@
 </file>
 
 <file path=customXml/item2.xml><?xml version="1.0" encoding="utf-8"?>
+<p:properties xmlns:p="http://schemas.microsoft.com/office/2006/metadata/properties" xmlns:xsi="http://www.w3.org/2001/XMLSchema-instance" xmlns:pc="http://schemas.microsoft.com/office/infopath/2007/PartnerControls">
+  <documentManagement>
+    <_ip_UnifiedCompliancePolicyUIAction xmlns="http://schemas.microsoft.com/sharepoint/v3" xsi:nil="true"/>
+    <_ip_UnifiedCompliancePolicyProperties xmlns="http://schemas.microsoft.com/sharepoint/v3" xsi:nil="true"/>
+  </documentManagement>
+</p:properties>
+</file>
+
+<file path=customXml/item3.xml><?xml version="1.0" encoding="utf-8"?>
 <?mso-contentType ?>
 <FormTemplates xmlns="http://schemas.microsoft.com/sharepoint/v3/contenttype/forms">
   <Display>DocumentLibraryForm</Display>
   <Edit>DocumentLibraryForm</Edit>
   <New>DocumentLibraryForm</New>
 </FormTemplates>
-</file>
-
-<file path=customXml/item3.xml><?xml version="1.0" encoding="utf-8"?>
-<p:properties xmlns:p="http://schemas.microsoft.com/office/2006/metadata/properties" xmlns:xsi="http://www.w3.org/2001/XMLSchema-instance" xmlns:pc="http://schemas.microsoft.com/office/infopath/2007/PartnerControls">
-  <documentManagement>
-    <_ip_UnifiedCompliancePolicyUIAction xmlns="http://schemas.microsoft.com/sharepoint/v3" xsi:nil="true"/>
-    <_ip_UnifiedCompliancePolicyProperties xmlns="http://schemas.microsoft.com/sharepoint/v3" xsi:nil="true"/>
-  </documentManagement>
-</p:properties>
 </file>
 
 <file path=customXml/itemProps1.xml><?xml version="1.0" encoding="utf-8"?>
@@ -16696,14 +16689,6 @@
 </file>
 
 <file path=customXml/itemProps2.xml><?xml version="1.0" encoding="utf-8"?>
-<ds:datastoreItem xmlns:ds="http://schemas.openxmlformats.org/officeDocument/2006/customXml" ds:itemID="{30ECC70E-6674-4337-B48B-AF4F8832F1E5}">
-  <ds:schemaRefs>
-    <ds:schemaRef ds:uri="http://schemas.microsoft.com/sharepoint/v3/contenttype/forms"/>
-  </ds:schemaRefs>
-</ds:datastoreItem>
-</file>
-
-<file path=customXml/itemProps3.xml><?xml version="1.0" encoding="utf-8"?>
 <ds:datastoreItem xmlns:ds="http://schemas.openxmlformats.org/officeDocument/2006/customXml" ds:itemID="{816B76F2-1AE1-4A2A-A5B3-D462CC5E81F8}">
   <ds:schemaRefs>
     <ds:schemaRef ds:uri="http://purl.org/dc/elements/1.1/"/>
@@ -16719,4 +16704,12 @@
     <ds:schemaRef ds:uri="http://purl.org/dc/terms/"/>
   </ds:schemaRefs>
 </ds:datastoreItem>
+</file>
+
+<file path=customXml/itemProps3.xml><?xml version="1.0" encoding="utf-8"?>
+<ds:datastoreItem xmlns:ds="http://schemas.openxmlformats.org/officeDocument/2006/customXml" ds:itemID="{30ECC70E-6674-4337-B48B-AF4F8832F1E5}">
+  <ds:schemaRefs>
+    <ds:schemaRef ds:uri="http://schemas.microsoft.com/sharepoint/v3/contenttype/forms"/>
+  </ds:schemaRefs>
+</ds:datastoreItem>
 </file>
--- a/Interim Report/PrototypeGuide/10524150_DBSFinalProject_PrototypeUserGuide cf v1-1 130820.pptx
+++ b/Interim Report/PrototypeGuide/10524150_DBSFinalProject_PrototypeUserGuide cf v1-1 130820.pptx
@@ -16651,21 +16651,21 @@
 </file>
 
 <file path=customXml/item2.xml><?xml version="1.0" encoding="utf-8"?>
+<?mso-contentType ?>
+<FormTemplates xmlns="http://schemas.microsoft.com/sharepoint/v3/contenttype/forms">
+  <Display>DocumentLibraryForm</Display>
+  <Edit>DocumentLibraryForm</Edit>
+  <New>DocumentLibraryForm</New>
+</FormTemplates>
+</file>
+
+<file path=customXml/item3.xml><?xml version="1.0" encoding="utf-8"?>
 <p:properties xmlns:p="http://schemas.microsoft.com/office/2006/metadata/properties" xmlns:xsi="http://www.w3.org/2001/XMLSchema-instance" xmlns:pc="http://schemas.microsoft.com/office/infopath/2007/PartnerControls">
   <documentManagement>
     <_ip_UnifiedCompliancePolicyUIAction xmlns="http://schemas.microsoft.com/sharepoint/v3" xsi:nil="true"/>
     <_ip_UnifiedCompliancePolicyProperties xmlns="http://schemas.microsoft.com/sharepoint/v3" xsi:nil="true"/>
   </documentManagement>
 </p:properties>
-</file>
-
-<file path=customXml/item3.xml><?xml version="1.0" encoding="utf-8"?>
-<?mso-contentType ?>
-<FormTemplates xmlns="http://schemas.microsoft.com/sharepoint/v3/contenttype/forms">
-  <Display>DocumentLibraryForm</Display>
-  <Edit>DocumentLibraryForm</Edit>
-  <New>DocumentLibraryForm</New>
-</FormTemplates>
 </file>
 
 <file path=customXml/itemProps1.xml><?xml version="1.0" encoding="utf-8"?>
@@ -16689,6 +16689,14 @@
 </file>
 
 <file path=customXml/itemProps2.xml><?xml version="1.0" encoding="utf-8"?>
+<ds:datastoreItem xmlns:ds="http://schemas.openxmlformats.org/officeDocument/2006/customXml" ds:itemID="{30ECC70E-6674-4337-B48B-AF4F8832F1E5}">
+  <ds:schemaRefs>
+    <ds:schemaRef ds:uri="http://schemas.microsoft.com/sharepoint/v3/contenttype/forms"/>
+  </ds:schemaRefs>
+</ds:datastoreItem>
+</file>
+
+<file path=customXml/itemProps3.xml><?xml version="1.0" encoding="utf-8"?>
 <ds:datastoreItem xmlns:ds="http://schemas.openxmlformats.org/officeDocument/2006/customXml" ds:itemID="{816B76F2-1AE1-4A2A-A5B3-D462CC5E81F8}">
   <ds:schemaRefs>
     <ds:schemaRef ds:uri="http://purl.org/dc/elements/1.1/"/>
@@ -16704,12 +16712,4 @@
     <ds:schemaRef ds:uri="http://purl.org/dc/terms/"/>
   </ds:schemaRefs>
 </ds:datastoreItem>
-</file>
-
-<file path=customXml/itemProps3.xml><?xml version="1.0" encoding="utf-8"?>
-<ds:datastoreItem xmlns:ds="http://schemas.openxmlformats.org/officeDocument/2006/customXml" ds:itemID="{30ECC70E-6674-4337-B48B-AF4F8832F1E5}">
-  <ds:schemaRefs>
-    <ds:schemaRef ds:uri="http://schemas.microsoft.com/sharepoint/v3/contenttype/forms"/>
-  </ds:schemaRefs>
-</ds:datastoreItem>
 </file>